--- a/ReactIntro.pptx
+++ b/ReactIntro.pptx
@@ -23039,7 +23039,15 @@
           <a:p>
             <a:r>
               <a:rPr lang="en-US" dirty="0"/>
-              <a:t>&lt;Route path="/about/" children={()=&gt;&lt;h2&gt;About&lt;/h2&gt;} /&gt;</a:t>
+              <a:t>&lt;Route </a:t>
+            </a:r>
+            <a:r>
+              <a:rPr lang="en-US" b="1" dirty="0"/>
+              <a:t>exact</a:t>
+            </a:r>
+            <a:r>
+              <a:rPr lang="en-US" dirty="0"/>
+              <a:t> path="/about/" children={()=&gt;&lt;h2&gt;About&lt;/h2&gt;} /&gt;</a:t>
             </a:r>
           </a:p>
           <a:p>
@@ -23111,7 +23119,15 @@
           <a:p>
             <a:r>
               <a:rPr lang="en-US" dirty="0"/>
-              <a:t>&lt;Route path="/about/" children={()=&gt;&lt;h2&gt;About&lt;/h2&gt;} /&gt;</a:t>
+              <a:t>&lt;Route </a:t>
+            </a:r>
+            <a:r>
+              <a:rPr lang="en-US" b="1" dirty="0"/>
+              <a:t>strict</a:t>
+            </a:r>
+            <a:r>
+              <a:rPr lang="en-US" dirty="0"/>
+              <a:t> path="/about/" children={()=&gt;&lt;h2&gt;About&lt;/h2&gt;} /&gt;</a:t>
             </a:r>
           </a:p>
           <a:p>
@@ -26630,6 +26646,23 @@
 </file>
 
 <file path=customXml/item1.xml><?xml version="1.0" encoding="utf-8"?>
+<?mso-contentType ?>
+<FormTemplates xmlns="http://schemas.microsoft.com/sharepoint/v3/contenttype/forms">
+  <Display>DocumentLibraryForm</Display>
+  <Edit>DocumentLibraryForm</Edit>
+  <New>DocumentLibraryForm</New>
+</FormTemplates>
+</file>
+
+<file path=customXml/item2.xml><?xml version="1.0" encoding="utf-8"?>
+<p:properties xmlns:p="http://schemas.microsoft.com/office/2006/metadata/properties" xmlns:xsi="http://www.w3.org/2001/XMLSchema-instance" xmlns:pc="http://schemas.microsoft.com/office/infopath/2007/PartnerControls">
+  <documentManagement>
+    <_x041a__x043e__x043c__x0435__x0442__x0430__x0440_ xmlns="835f28f2-30f1-4728-84d2-86d96e143488" xsi:nil="true"/>
+  </documentManagement>
+</p:properties>
+</file>
+
+<file path=customXml/item3.xml><?xml version="1.0" encoding="utf-8"?>
 <ct:contentTypeSchema xmlns:ct="http://schemas.microsoft.com/office/2006/metadata/contentType" xmlns:ma="http://schemas.microsoft.com/office/2006/metadata/properties/metaAttributes" ct:_="" ma:_="" ma:contentTypeName="Документ" ma:contentTypeID="0x0101004195FC54A15F344D83577B1CDDD67A5D" ma:contentTypeVersion="9" ma:contentTypeDescription="Создание документа." ma:contentTypeScope="" ma:versionID="961ec8db58076c7d3e9f84b9cd82fd45">
   <xsd:schema xmlns:xsd="http://www.w3.org/2001/XMLSchema" xmlns:xs="http://www.w3.org/2001/XMLSchema" xmlns:p="http://schemas.microsoft.com/office/2006/metadata/properties" xmlns:ns2="341e6018-ac0a-4dfb-8409-db9e0d25502e" xmlns:ns3="835f28f2-30f1-4728-84d2-86d96e143488" targetNamespace="http://schemas.microsoft.com/office/2006/metadata/properties" ma:root="true" ma:fieldsID="bd9f0c80ada20ee560e77d723f3ef44e" ns2:_="" ns3:_="">
     <xsd:import namespace="341e6018-ac0a-4dfb-8409-db9e0d25502e"/>
@@ -26828,38 +26861,10 @@
 </ct:contentTypeSchema>
 </file>
 
-<file path=customXml/item2.xml><?xml version="1.0" encoding="utf-8"?>
-<p:properties xmlns:p="http://schemas.microsoft.com/office/2006/metadata/properties" xmlns:xsi="http://www.w3.org/2001/XMLSchema-instance" xmlns:pc="http://schemas.microsoft.com/office/infopath/2007/PartnerControls">
-  <documentManagement>
-    <_x041a__x043e__x043c__x0435__x0442__x0430__x0440_ xmlns="835f28f2-30f1-4728-84d2-86d96e143488" xsi:nil="true"/>
-  </documentManagement>
-</p:properties>
-</file>
-
-<file path=customXml/item3.xml><?xml version="1.0" encoding="utf-8"?>
-<?mso-contentType ?>
-<FormTemplates xmlns="http://schemas.microsoft.com/sharepoint/v3/contenttype/forms">
-  <Display>DocumentLibraryForm</Display>
-  <Edit>DocumentLibraryForm</Edit>
-  <New>DocumentLibraryForm</New>
-</FormTemplates>
-</file>
-
 <file path=customXml/itemProps1.xml><?xml version="1.0" encoding="utf-8"?>
-<ds:datastoreItem xmlns:ds="http://schemas.openxmlformats.org/officeDocument/2006/customXml" ds:itemID="{CAFDAB34-20E1-438F-BCB2-ECDA5496F36D}">
+<ds:datastoreItem xmlns:ds="http://schemas.openxmlformats.org/officeDocument/2006/customXml" ds:itemID="{296B3B9E-03D8-4766-BF45-6129617CF026}">
   <ds:schemaRefs>
-    <ds:schemaRef ds:uri="http://schemas.microsoft.com/office/2006/metadata/contentType"/>
-    <ds:schemaRef ds:uri="http://schemas.microsoft.com/office/2006/metadata/properties/metaAttributes"/>
-    <ds:schemaRef ds:uri="http://www.w3.org/2001/XMLSchema"/>
-    <ds:schemaRef ds:uri="http://schemas.microsoft.com/office/2006/metadata/properties"/>
-    <ds:schemaRef ds:uri="341e6018-ac0a-4dfb-8409-db9e0d25502e"/>
-    <ds:schemaRef ds:uri="835f28f2-30f1-4728-84d2-86d96e143488"/>
-    <ds:schemaRef ds:uri="http://schemas.microsoft.com/office/2006/documentManagement/types"/>
-    <ds:schemaRef ds:uri="http://schemas.microsoft.com/office/infopath/2007/PartnerControls"/>
-    <ds:schemaRef ds:uri="http://schemas.openxmlformats.org/package/2006/metadata/core-properties"/>
-    <ds:schemaRef ds:uri="http://purl.org/dc/elements/1.1/"/>
-    <ds:schemaRef ds:uri="http://purl.org/dc/terms/"/>
-    <ds:schemaRef ds:uri="http://schemas.microsoft.com/internal/obd"/>
+    <ds:schemaRef ds:uri="http://schemas.microsoft.com/sharepoint/v3/contenttype/forms"/>
   </ds:schemaRefs>
 </ds:datastoreItem>
 </file>
@@ -26882,9 +26887,20 @@
 </file>
 
 <file path=customXml/itemProps3.xml><?xml version="1.0" encoding="utf-8"?>
-<ds:datastoreItem xmlns:ds="http://schemas.openxmlformats.org/officeDocument/2006/customXml" ds:itemID="{296B3B9E-03D8-4766-BF45-6129617CF026}">
+<ds:datastoreItem xmlns:ds="http://schemas.openxmlformats.org/officeDocument/2006/customXml" ds:itemID="{CAFDAB34-20E1-438F-BCB2-ECDA5496F36D}">
   <ds:schemaRefs>
-    <ds:schemaRef ds:uri="http://schemas.microsoft.com/sharepoint/v3/contenttype/forms"/>
+    <ds:schemaRef ds:uri="http://schemas.microsoft.com/office/2006/metadata/contentType"/>
+    <ds:schemaRef ds:uri="http://schemas.microsoft.com/office/2006/metadata/properties/metaAttributes"/>
+    <ds:schemaRef ds:uri="http://www.w3.org/2001/XMLSchema"/>
+    <ds:schemaRef ds:uri="http://schemas.microsoft.com/office/2006/metadata/properties"/>
+    <ds:schemaRef ds:uri="341e6018-ac0a-4dfb-8409-db9e0d25502e"/>
+    <ds:schemaRef ds:uri="835f28f2-30f1-4728-84d2-86d96e143488"/>
+    <ds:schemaRef ds:uri="http://schemas.microsoft.com/office/2006/documentManagement/types"/>
+    <ds:schemaRef ds:uri="http://schemas.microsoft.com/office/infopath/2007/PartnerControls"/>
+    <ds:schemaRef ds:uri="http://schemas.openxmlformats.org/package/2006/metadata/core-properties"/>
+    <ds:schemaRef ds:uri="http://purl.org/dc/elements/1.1/"/>
+    <ds:schemaRef ds:uri="http://purl.org/dc/terms/"/>
+    <ds:schemaRef ds:uri="http://schemas.microsoft.com/internal/obd"/>
   </ds:schemaRefs>
 </ds:datastoreItem>
 </file>
--- a/ReactIntro.pptx
+++ b/ReactIntro.pptx
@@ -33,37 +33,38 @@
     <p:sldId id="283" r:id="rId30"/>
     <p:sldId id="284" r:id="rId31"/>
     <p:sldId id="285" r:id="rId32"/>
-    <p:sldId id="287" r:id="rId33"/>
-    <p:sldId id="282" r:id="rId34"/>
-    <p:sldId id="280" r:id="rId35"/>
+    <p:sldId id="288" r:id="rId33"/>
+    <p:sldId id="287" r:id="rId34"/>
+    <p:sldId id="282" r:id="rId35"/>
+    <p:sldId id="280" r:id="rId36"/>
   </p:sldIdLst>
   <p:sldSz cx="12192000" cy="6858000"/>
   <p:notesSz cx="6858000" cy="9144000"/>
   <p:embeddedFontLst>
     <p:embeddedFont>
       <p:font typeface="Calibri" panose="020F0502020204030204" pitchFamily="34" charset="0"/>
-      <p:regular r:id="rId36"/>
-      <p:bold r:id="rId37"/>
-      <p:italic r:id="rId38"/>
-      <p:boldItalic r:id="rId39"/>
+      <p:regular r:id="rId37"/>
+      <p:bold r:id="rId38"/>
+      <p:italic r:id="rId39"/>
+      <p:boldItalic r:id="rId40"/>
     </p:embeddedFont>
     <p:embeddedFont>
       <p:font typeface="Consolas" panose="020B0609020204030204" pitchFamily="49" charset="0"/>
-      <p:regular r:id="rId40"/>
-      <p:bold r:id="rId41"/>
-      <p:italic r:id="rId42"/>
-      <p:boldItalic r:id="rId43"/>
+      <p:regular r:id="rId41"/>
+      <p:bold r:id="rId42"/>
+      <p:italic r:id="rId43"/>
+      <p:boldItalic r:id="rId44"/>
     </p:embeddedFont>
     <p:embeddedFont>
       <p:font typeface="Open Sans" panose="020B0604020202020204" charset="0"/>
-      <p:regular r:id="rId44"/>
-      <p:bold r:id="rId45"/>
-      <p:italic r:id="rId46"/>
-      <p:boldItalic r:id="rId47"/>
+      <p:regular r:id="rId45"/>
+      <p:bold r:id="rId46"/>
+      <p:italic r:id="rId47"/>
+      <p:boldItalic r:id="rId48"/>
     </p:embeddedFont>
     <p:embeddedFont>
       <p:font typeface="Proxima Nova Black" panose="020B0604020202020204" charset="0"/>
-      <p:bold r:id="rId48"/>
+      <p:bold r:id="rId49"/>
     </p:embeddedFont>
   </p:embeddedFontLst>
   <p:defaultTextStyle>
@@ -22977,7 +22978,7 @@
           <p:cNvPr id="2" name="Заголовок 1">
             <a:extLst>
               <a:ext uri="{FF2B5EF4-FFF2-40B4-BE49-F238E27FC236}">
-                <a16:creationId xmlns:a16="http://schemas.microsoft.com/office/drawing/2014/main" id="{08461EA1-7E24-4F8B-87ED-955C69D08658}"/>
+                <a16:creationId xmlns:a16="http://schemas.microsoft.com/office/drawing/2014/main" id="{1A844FA5-F5C9-4712-8E61-D59AED464F8C}"/>
               </a:ext>
             </a:extLst>
           </p:cNvPr>
@@ -22988,14 +22989,19 @@
             <p:ph type="title"/>
           </p:nvPr>
         </p:nvSpPr>
-        <p:spPr/>
+        <p:spPr>
+          <a:xfrm>
+            <a:off x="685800" y="685801"/>
+            <a:ext cx="10820400" cy="109329"/>
+          </a:xfrm>
+        </p:spPr>
         <p:txBody>
           <a:bodyPr/>
           <a:lstStyle/>
           <a:p>
             <a:r>
               <a:rPr lang="en-US" dirty="0"/>
-              <a:t>exact &amp; strict</a:t>
+              <a:t> </a:t>
             </a:r>
             <a:endParaRPr lang="ru-RU" dirty="0"/>
           </a:p>
@@ -23006,7 +23012,7 @@
           <p:cNvPr id="3" name="Текст 2">
             <a:extLst>
               <a:ext uri="{FF2B5EF4-FFF2-40B4-BE49-F238E27FC236}">
-                <a16:creationId xmlns:a16="http://schemas.microsoft.com/office/drawing/2014/main" id="{B6925334-CB32-41B0-B748-7670CD9259EB}"/>
+                <a16:creationId xmlns:a16="http://schemas.microsoft.com/office/drawing/2014/main" id="{78EBFE81-0C4F-4A63-83C2-B64BB13F4C4E}"/>
               </a:ext>
             </a:extLst>
           </p:cNvPr>
@@ -23019,18 +23025,17 @@
         </p:nvSpPr>
         <p:spPr>
           <a:xfrm>
-            <a:off x="685800" y="1550504"/>
-            <a:ext cx="5174998" cy="3935896"/>
+            <a:off x="685800" y="1152939"/>
+            <a:ext cx="10820400" cy="4333461"/>
           </a:xfrm>
         </p:spPr>
         <p:txBody>
           <a:bodyPr/>
           <a:lstStyle/>
           <a:p>
-            <a:pPr algn="ctr"/>
-            <a:r>
-              <a:rPr lang="en-US" u="sng" dirty="0"/>
-              <a:t>qualifier exact:</a:t>
+            <a:r>
+              <a:rPr lang="en-US" dirty="0"/>
+              <a:t>Let’s take one previously defined route and slightly change it by adding a final slash:</a:t>
             </a:r>
           </a:p>
           <a:p>
@@ -23039,15 +23044,7 @@
           <a:p>
             <a:r>
               <a:rPr lang="en-US" dirty="0"/>
-              <a:t>&lt;Route </a:t>
-            </a:r>
-            <a:r>
-              <a:rPr lang="en-US" b="1" dirty="0"/>
-              <a:t>exact</a:t>
-            </a:r>
-            <a:r>
-              <a:rPr lang="en-US" dirty="0"/>
-              <a:t> path="/about/" children={()=&gt;&lt;h2&gt;About&lt;/h2&gt;} /&gt;</a:t>
+              <a:t>&lt;Route path="/about/" children={()=&gt;&lt;h2&gt;About&lt;/h2&gt;} /&gt;</a:t>
             </a:r>
           </a:p>
           <a:p>
@@ -23074,77 +23071,14 @@
             </a:r>
           </a:p>
           <a:p>
-            <a:endParaRPr lang="en-US" dirty="0"/>
-          </a:p>
-          <a:p>
-            <a:endParaRPr lang="ru-RU" dirty="0"/>
-          </a:p>
-        </p:txBody>
-      </p:sp>
-      <p:sp>
-        <p:nvSpPr>
-          <p:cNvPr id="4" name="Текст 3">
-            <a:extLst>
-              <a:ext uri="{FF2B5EF4-FFF2-40B4-BE49-F238E27FC236}">
-                <a16:creationId xmlns:a16="http://schemas.microsoft.com/office/drawing/2014/main" id="{B69A7EA7-E235-4A6D-ADAC-BBEC2DA70BFB}"/>
-              </a:ext>
-            </a:extLst>
-          </p:cNvPr>
-          <p:cNvSpPr>
-            <a:spLocks noGrp="1"/>
-          </p:cNvSpPr>
-          <p:nvPr>
-            <p:ph type="body" sz="quarter" idx="11"/>
-          </p:nvPr>
-        </p:nvSpPr>
-        <p:spPr>
-          <a:xfrm>
-            <a:off x="6330696" y="1550504"/>
-            <a:ext cx="5175504" cy="3935896"/>
-          </a:xfrm>
-        </p:spPr>
-        <p:txBody>
-          <a:bodyPr/>
-          <a:lstStyle/>
-          <a:p>
-            <a:pPr algn="ctr"/>
-            <a:r>
-              <a:rPr lang="en-US" u="sng" dirty="0"/>
-              <a:t>qualifier strict:</a:t>
-            </a:r>
-          </a:p>
-          <a:p>
-            <a:endParaRPr lang="en-US" dirty="0"/>
-          </a:p>
-          <a:p>
-            <a:r>
-              <a:rPr lang="en-US" dirty="0"/>
-              <a:t>&lt;Route </a:t>
-            </a:r>
-            <a:r>
-              <a:rPr lang="en-US" b="1" dirty="0"/>
-              <a:t>strict</a:t>
-            </a:r>
-            <a:r>
-              <a:rPr lang="en-US" dirty="0"/>
-              <a:t> path="/about/" children={()=&gt;&lt;h2&gt;About&lt;/h2&gt;} /&gt;</a:t>
-            </a:r>
-          </a:p>
-          <a:p>
-            <a:endParaRPr lang="en-US" dirty="0"/>
-          </a:p>
-          <a:p>
             <a:pPr marL="342900" indent="-342900">
               <a:buFont typeface="Arial" panose="020B0604020202020204" pitchFamily="34" charset="0"/>
               <a:buChar char="•"/>
             </a:pPr>
             <a:r>
               <a:rPr lang="en-US" dirty="0"/>
-              <a:t>http://localhost:3000/about/</a:t>
-            </a:r>
-          </a:p>
-          <a:p>
-            <a:endParaRPr lang="en-US" dirty="0"/>
+              <a:t>http://localhost:3000/about/25</a:t>
+            </a:r>
           </a:p>
           <a:p>
             <a:endParaRPr lang="ru-RU" dirty="0"/>
@@ -23154,7 +23088,7 @@
     </p:spTree>
     <p:extLst>
       <p:ext uri="{BB962C8B-B14F-4D97-AF65-F5344CB8AC3E}">
-        <p14:creationId xmlns:p14="http://schemas.microsoft.com/office/powerpoint/2010/main" val="2818954030"/>
+        <p14:creationId xmlns:p14="http://schemas.microsoft.com/office/powerpoint/2010/main" val="3247506537"/>
       </p:ext>
     </p:extLst>
   </p:cSld>
@@ -23186,7 +23120,7 @@
           <p:cNvPr id="2" name="Заголовок 1">
             <a:extLst>
               <a:ext uri="{FF2B5EF4-FFF2-40B4-BE49-F238E27FC236}">
-                <a16:creationId xmlns:a16="http://schemas.microsoft.com/office/drawing/2014/main" id="{45DD1FAA-057F-44BF-9882-98C7D845C8FF}"/>
+                <a16:creationId xmlns:a16="http://schemas.microsoft.com/office/drawing/2014/main" id="{08461EA1-7E24-4F8B-87ED-955C69D08658}"/>
               </a:ext>
             </a:extLst>
           </p:cNvPr>
@@ -23204,18 +23138,18 @@
           <a:p>
             <a:r>
               <a:rPr lang="en-US" dirty="0"/>
-              <a:t>Resources</a:t>
-            </a:r>
-            <a:endParaRPr lang="uk-UA" dirty="0"/>
+              <a:t>exact &amp; strict</a:t>
+            </a:r>
+            <a:endParaRPr lang="ru-RU" dirty="0"/>
           </a:p>
         </p:txBody>
       </p:sp>
       <p:sp>
         <p:nvSpPr>
-          <p:cNvPr id="3" name="Місце для тексту 2">
+          <p:cNvPr id="3" name="Текст 2">
             <a:extLst>
               <a:ext uri="{FF2B5EF4-FFF2-40B4-BE49-F238E27FC236}">
-                <a16:creationId xmlns:a16="http://schemas.microsoft.com/office/drawing/2014/main" id="{AA88211A-2C28-4F8E-A62C-D9C18EE43517}"/>
+                <a16:creationId xmlns:a16="http://schemas.microsoft.com/office/drawing/2014/main" id="{B6925334-CB32-41B0-B748-7670CD9259EB}"/>
               </a:ext>
             </a:extLst>
           </p:cNvPr>
@@ -23226,55 +23160,144 @@
             <p:ph type="body" sz="quarter" idx="10"/>
           </p:nvPr>
         </p:nvSpPr>
-        <p:spPr/>
+        <p:spPr>
+          <a:xfrm>
+            <a:off x="685800" y="1550504"/>
+            <a:ext cx="5174998" cy="3935896"/>
+          </a:xfrm>
+        </p:spPr>
         <p:txBody>
           <a:bodyPr/>
           <a:lstStyle/>
           <a:p>
-            <a:pPr marL="457200" indent="-457200">
-              <a:buFont typeface="+mj-lt"/>
-              <a:buAutoNum type="arabicPeriod"/>
+            <a:pPr algn="ctr"/>
+            <a:r>
+              <a:rPr lang="en-US" u="sng" dirty="0"/>
+              <a:t>qualifier exact:</a:t>
+            </a:r>
+          </a:p>
+          <a:p>
+            <a:endParaRPr lang="en-US" dirty="0"/>
+          </a:p>
+          <a:p>
+            <a:r>
+              <a:rPr lang="en-US" dirty="0"/>
+              <a:t>&lt;Route </a:t>
+            </a:r>
+            <a:r>
+              <a:rPr lang="en-US" b="1" dirty="0"/>
+              <a:t>exact</a:t>
+            </a:r>
+            <a:r>
+              <a:rPr lang="en-US" dirty="0"/>
+              <a:t> path="/about/" children={()=&gt;&lt;h2&gt;About&lt;/h2&gt;} /&gt;</a:t>
+            </a:r>
+          </a:p>
+          <a:p>
+            <a:endParaRPr lang="en-US" dirty="0"/>
+          </a:p>
+          <a:p>
+            <a:pPr marL="342900" indent="-342900">
+              <a:buFont typeface="Arial" panose="020B0604020202020204" pitchFamily="34" charset="0"/>
+              <a:buChar char="•"/>
             </a:pPr>
             <a:r>
-              <a:rPr lang="en-US" dirty="0">
-                <a:hlinkClick r:id="rId2"/>
-              </a:rPr>
-              <a:t>https://reactjs.org/docs</a:t>
-            </a:r>
+              <a:rPr lang="en-US" dirty="0"/>
+              <a:t>http://localhost:3000/about</a:t>
+            </a:r>
+          </a:p>
+          <a:p>
+            <a:pPr marL="342900" indent="-342900">
+              <a:buFont typeface="Arial" panose="020B0604020202020204" pitchFamily="34" charset="0"/>
+              <a:buChar char="•"/>
+            </a:pPr>
+            <a:r>
+              <a:rPr lang="en-US" dirty="0"/>
+              <a:t>http://localhost:3000/about/</a:t>
+            </a:r>
+          </a:p>
+          <a:p>
             <a:endParaRPr lang="en-US" dirty="0"/>
           </a:p>
           <a:p>
-            <a:pPr marL="457200" indent="-457200">
-              <a:buFont typeface="+mj-lt"/>
-              <a:buAutoNum type="arabicPeriod"/>
+            <a:endParaRPr lang="ru-RU" dirty="0"/>
+          </a:p>
+        </p:txBody>
+      </p:sp>
+      <p:sp>
+        <p:nvSpPr>
+          <p:cNvPr id="4" name="Текст 3">
+            <a:extLst>
+              <a:ext uri="{FF2B5EF4-FFF2-40B4-BE49-F238E27FC236}">
+                <a16:creationId xmlns:a16="http://schemas.microsoft.com/office/drawing/2014/main" id="{B69A7EA7-E235-4A6D-ADAC-BBEC2DA70BFB}"/>
+              </a:ext>
+            </a:extLst>
+          </p:cNvPr>
+          <p:cNvSpPr>
+            <a:spLocks noGrp="1"/>
+          </p:cNvSpPr>
+          <p:nvPr>
+            <p:ph type="body" sz="quarter" idx="11"/>
+          </p:nvPr>
+        </p:nvSpPr>
+        <p:spPr>
+          <a:xfrm>
+            <a:off x="6330696" y="1550504"/>
+            <a:ext cx="5175504" cy="3935896"/>
+          </a:xfrm>
+        </p:spPr>
+        <p:txBody>
+          <a:bodyPr/>
+          <a:lstStyle/>
+          <a:p>
+            <a:pPr algn="ctr"/>
+            <a:r>
+              <a:rPr lang="en-US" u="sng" dirty="0"/>
+              <a:t>qualifier strict:</a:t>
+            </a:r>
+          </a:p>
+          <a:p>
+            <a:endParaRPr lang="en-US" dirty="0"/>
+          </a:p>
+          <a:p>
+            <a:r>
+              <a:rPr lang="en-US" dirty="0"/>
+              <a:t>&lt;Route </a:t>
+            </a:r>
+            <a:r>
+              <a:rPr lang="en-US" b="1" dirty="0"/>
+              <a:t>strict</a:t>
+            </a:r>
+            <a:r>
+              <a:rPr lang="en-US" dirty="0"/>
+              <a:t> path="/about/" children={()=&gt;&lt;h2&gt;About&lt;/h2&gt;} /&gt;</a:t>
+            </a:r>
+          </a:p>
+          <a:p>
+            <a:endParaRPr lang="en-US" dirty="0"/>
+          </a:p>
+          <a:p>
+            <a:pPr marL="342900" indent="-342900">
+              <a:buFont typeface="Arial" panose="020B0604020202020204" pitchFamily="34" charset="0"/>
+              <a:buChar char="•"/>
             </a:pPr>
             <a:r>
-              <a:rPr lang="en-US" dirty="0">
-                <a:hlinkClick r:id="rId3"/>
-              </a:rPr>
-              <a:t>https://metanit.com/web/react</a:t>
-            </a:r>
+              <a:rPr lang="en-US" dirty="0"/>
+              <a:t>http://localhost:3000/about/</a:t>
+            </a:r>
+          </a:p>
+          <a:p>
             <a:endParaRPr lang="en-US" dirty="0"/>
           </a:p>
           <a:p>
-            <a:pPr marL="457200" indent="-457200">
-              <a:buFont typeface="+mj-lt"/>
-              <a:buAutoNum type="arabicPeriod"/>
-            </a:pPr>
-            <a:r>
-              <a:rPr lang="en-US" dirty="0">
-                <a:hlinkClick r:id="rId4"/>
-              </a:rPr>
-              <a:t>https://hackernoon.com/virtual-dom-in-reactjs-43a3fdb1d130</a:t>
-            </a:r>
-            <a:endParaRPr lang="uk-UA" dirty="0"/>
+            <a:endParaRPr lang="ru-RU" dirty="0"/>
           </a:p>
         </p:txBody>
       </p:sp>
     </p:spTree>
     <p:extLst>
       <p:ext uri="{BB962C8B-B14F-4D97-AF65-F5344CB8AC3E}">
-        <p14:creationId xmlns:p14="http://schemas.microsoft.com/office/powerpoint/2010/main" val="2023234771"/>
+        <p14:creationId xmlns:p14="http://schemas.microsoft.com/office/powerpoint/2010/main" val="2818954030"/>
       </p:ext>
     </p:extLst>
   </p:cSld>
@@ -23489,6 +23512,126 @@
 </file>
 
 <file path=ppt/slides/slide30.xml><?xml version="1.0" encoding="utf-8"?>
+<p:sld xmlns:a="http://schemas.openxmlformats.org/drawingml/2006/main" xmlns:r="http://schemas.openxmlformats.org/officeDocument/2006/relationships" xmlns:p="http://schemas.openxmlformats.org/presentationml/2006/main">
+  <p:cSld>
+    <p:spTree>
+      <p:nvGrpSpPr>
+        <p:cNvPr id="1" name=""/>
+        <p:cNvGrpSpPr/>
+        <p:nvPr/>
+      </p:nvGrpSpPr>
+      <p:grpSpPr>
+        <a:xfrm>
+          <a:off x="0" y="0"/>
+          <a:ext cx="0" cy="0"/>
+          <a:chOff x="0" y="0"/>
+          <a:chExt cx="0" cy="0"/>
+        </a:xfrm>
+      </p:grpSpPr>
+      <p:sp>
+        <p:nvSpPr>
+          <p:cNvPr id="2" name="Заголовок 1">
+            <a:extLst>
+              <a:ext uri="{FF2B5EF4-FFF2-40B4-BE49-F238E27FC236}">
+                <a16:creationId xmlns:a16="http://schemas.microsoft.com/office/drawing/2014/main" id="{45DD1FAA-057F-44BF-9882-98C7D845C8FF}"/>
+              </a:ext>
+            </a:extLst>
+          </p:cNvPr>
+          <p:cNvSpPr>
+            <a:spLocks noGrp="1"/>
+          </p:cNvSpPr>
+          <p:nvPr>
+            <p:ph type="title"/>
+          </p:nvPr>
+        </p:nvSpPr>
+        <p:spPr/>
+        <p:txBody>
+          <a:bodyPr/>
+          <a:lstStyle/>
+          <a:p>
+            <a:r>
+              <a:rPr lang="en-US" dirty="0"/>
+              <a:t>Resources</a:t>
+            </a:r>
+            <a:endParaRPr lang="uk-UA" dirty="0"/>
+          </a:p>
+        </p:txBody>
+      </p:sp>
+      <p:sp>
+        <p:nvSpPr>
+          <p:cNvPr id="3" name="Місце для тексту 2">
+            <a:extLst>
+              <a:ext uri="{FF2B5EF4-FFF2-40B4-BE49-F238E27FC236}">
+                <a16:creationId xmlns:a16="http://schemas.microsoft.com/office/drawing/2014/main" id="{AA88211A-2C28-4F8E-A62C-D9C18EE43517}"/>
+              </a:ext>
+            </a:extLst>
+          </p:cNvPr>
+          <p:cNvSpPr>
+            <a:spLocks noGrp="1"/>
+          </p:cNvSpPr>
+          <p:nvPr>
+            <p:ph type="body" sz="quarter" idx="10"/>
+          </p:nvPr>
+        </p:nvSpPr>
+        <p:spPr/>
+        <p:txBody>
+          <a:bodyPr/>
+          <a:lstStyle/>
+          <a:p>
+            <a:pPr marL="457200" indent="-457200">
+              <a:buFont typeface="+mj-lt"/>
+              <a:buAutoNum type="arabicPeriod"/>
+            </a:pPr>
+            <a:r>
+              <a:rPr lang="en-US" dirty="0">
+                <a:hlinkClick r:id="rId2"/>
+              </a:rPr>
+              <a:t>https://reactjs.org/docs</a:t>
+            </a:r>
+            <a:endParaRPr lang="en-US" dirty="0"/>
+          </a:p>
+          <a:p>
+            <a:pPr marL="457200" indent="-457200">
+              <a:buFont typeface="+mj-lt"/>
+              <a:buAutoNum type="arabicPeriod"/>
+            </a:pPr>
+            <a:r>
+              <a:rPr lang="en-US" dirty="0">
+                <a:hlinkClick r:id="rId3"/>
+              </a:rPr>
+              <a:t>https://metanit.com/web/react</a:t>
+            </a:r>
+            <a:endParaRPr lang="en-US" dirty="0"/>
+          </a:p>
+          <a:p>
+            <a:pPr marL="457200" indent="-457200">
+              <a:buFont typeface="+mj-lt"/>
+              <a:buAutoNum type="arabicPeriod"/>
+            </a:pPr>
+            <a:r>
+              <a:rPr lang="en-US" dirty="0">
+                <a:hlinkClick r:id="rId4"/>
+              </a:rPr>
+              <a:t>https://hackernoon.com/virtual-dom-in-reactjs-43a3fdb1d130</a:t>
+            </a:r>
+            <a:endParaRPr lang="uk-UA" dirty="0"/>
+          </a:p>
+        </p:txBody>
+      </p:sp>
+    </p:spTree>
+    <p:extLst>
+      <p:ext uri="{BB962C8B-B14F-4D97-AF65-F5344CB8AC3E}">
+        <p14:creationId xmlns:p14="http://schemas.microsoft.com/office/powerpoint/2010/main" val="2023234771"/>
+      </p:ext>
+    </p:extLst>
+  </p:cSld>
+  <p:clrMapOvr>
+    <a:masterClrMapping/>
+  </p:clrMapOvr>
+</p:sld>
+</file>
+
+<file path=ppt/slides/slide31.xml><?xml version="1.0" encoding="utf-8"?>
 <p:sld xmlns:a="http://schemas.openxmlformats.org/drawingml/2006/main" xmlns:r="http://schemas.openxmlformats.org/officeDocument/2006/relationships" xmlns:p="http://schemas.openxmlformats.org/presentationml/2006/main">
   <p:cSld>
     <p:spTree>
@@ -26646,20 +26789,20 @@
 </file>
 
 <file path=customXml/item1.xml><?xml version="1.0" encoding="utf-8"?>
+<p:properties xmlns:p="http://schemas.microsoft.com/office/2006/metadata/properties" xmlns:xsi="http://www.w3.org/2001/XMLSchema-instance" xmlns:pc="http://schemas.microsoft.com/office/infopath/2007/PartnerControls">
+  <documentManagement>
+    <_x041a__x043e__x043c__x0435__x0442__x0430__x0440_ xmlns="835f28f2-30f1-4728-84d2-86d96e143488" xsi:nil="true"/>
+  </documentManagement>
+</p:properties>
+</file>
+
+<file path=customXml/item2.xml><?xml version="1.0" encoding="utf-8"?>
 <?mso-contentType ?>
 <FormTemplates xmlns="http://schemas.microsoft.com/sharepoint/v3/contenttype/forms">
   <Display>DocumentLibraryForm</Display>
   <Edit>DocumentLibraryForm</Edit>
   <New>DocumentLibraryForm</New>
 </FormTemplates>
-</file>
-
-<file path=customXml/item2.xml><?xml version="1.0" encoding="utf-8"?>
-<p:properties xmlns:p="http://schemas.microsoft.com/office/2006/metadata/properties" xmlns:xsi="http://www.w3.org/2001/XMLSchema-instance" xmlns:pc="http://schemas.microsoft.com/office/infopath/2007/PartnerControls">
-  <documentManagement>
-    <_x041a__x043e__x043c__x0435__x0442__x0430__x0440_ xmlns="835f28f2-30f1-4728-84d2-86d96e143488" xsi:nil="true"/>
-  </documentManagement>
-</p:properties>
 </file>
 
 <file path=customXml/item3.xml><?xml version="1.0" encoding="utf-8"?>
@@ -26862,14 +27005,6 @@
 </file>
 
 <file path=customXml/itemProps1.xml><?xml version="1.0" encoding="utf-8"?>
-<ds:datastoreItem xmlns:ds="http://schemas.openxmlformats.org/officeDocument/2006/customXml" ds:itemID="{296B3B9E-03D8-4766-BF45-6129617CF026}">
-  <ds:schemaRefs>
-    <ds:schemaRef ds:uri="http://schemas.microsoft.com/sharepoint/v3/contenttype/forms"/>
-  </ds:schemaRefs>
-</ds:datastoreItem>
-</file>
-
-<file path=customXml/itemProps2.xml><?xml version="1.0" encoding="utf-8"?>
 <ds:datastoreItem xmlns:ds="http://schemas.openxmlformats.org/officeDocument/2006/customXml" ds:itemID="{B3A1340B-3A1B-4156-ADE3-51DF6C2C795D}">
   <ds:schemaRefs>
     <ds:schemaRef ds:uri="http://schemas.microsoft.com/office/2006/documentManagement/types"/>
@@ -26882,6 +27017,14 @@
     <ds:schemaRef ds:uri="http://purl.org/dc/terms/"/>
     <ds:schemaRef ds:uri="http://schemas.microsoft.com/office/2006/metadata/properties"/>
     <ds:schemaRef ds:uri="http://schemas.openxmlformats.org/package/2006/metadata/core-properties"/>
+  </ds:schemaRefs>
+</ds:datastoreItem>
+</file>
+
+<file path=customXml/itemProps2.xml><?xml version="1.0" encoding="utf-8"?>
+<ds:datastoreItem xmlns:ds="http://schemas.openxmlformats.org/officeDocument/2006/customXml" ds:itemID="{296B3B9E-03D8-4766-BF45-6129617CF026}">
+  <ds:schemaRefs>
+    <ds:schemaRef ds:uri="http://schemas.microsoft.com/sharepoint/v3/contenttype/forms"/>
   </ds:schemaRefs>
 </ds:datastoreItem>
 </file>
